--- a/기획서 자료/프레젠테이션1.pptx
+++ b/기획서 자료/프레젠테이션1.pptx
@@ -4691,8 +4691,8 @@
         </p:nvSpPr>
         <p:spPr>
           <a:xfrm>
-            <a:off x="6980892" y="2274114"/>
-            <a:ext cx="1440000" cy="592667"/>
+            <a:off x="6980892" y="2231626"/>
+            <a:ext cx="1440000" cy="345781"/>
           </a:xfrm>
           <a:prstGeom prst="roundRect">
             <a:avLst/>
@@ -4721,7 +4721,22 @@
             <a:pPr algn="ctr"/>
             <a:r>
               <a:rPr lang="en-US" altLang="ko-KR" sz="1000" b="1" dirty="0"/>
-              <a:t>Update()</a:t>
+              <a:t>Update</a:t>
+            </a:r>
+          </a:p>
+          <a:p>
+            <a:pPr algn="ctr"/>
+            <a:r>
+              <a:rPr lang="en-US" altLang="ko-KR" sz="1000" b="1" dirty="0"/>
+              <a:t>(</a:t>
+            </a:r>
+            <a:r>
+              <a:rPr lang="en-US" altLang="ko-KR" sz="1000" b="1" dirty="0" err="1"/>
+              <a:t>GameObject</a:t>
+            </a:r>
+            <a:r>
+              <a:rPr lang="en-US" altLang="ko-KR" sz="1000" b="1" dirty="0"/>
+              <a:t>)</a:t>
             </a:r>
           </a:p>
         </p:txBody>
@@ -4740,8 +4755,8 @@
         </p:nvSpPr>
         <p:spPr>
           <a:xfrm>
-            <a:off x="6890892" y="3127996"/>
-            <a:ext cx="1620000" cy="592667"/>
+            <a:off x="6890892" y="3247205"/>
+            <a:ext cx="1620000" cy="473458"/>
           </a:xfrm>
           <a:prstGeom prst="parallelogram">
             <a:avLst/>
@@ -4777,7 +4792,15 @@
             <a:pPr algn="ctr"/>
             <a:r>
               <a:rPr lang="en-US" altLang="ko-KR" sz="1000" b="1" dirty="0"/>
-              <a:t>(Bullet Move)</a:t>
+              <a:t>(Bullet Move, hit, </a:t>
+            </a:r>
+            <a:r>
+              <a:rPr lang="en-US" altLang="ko-KR" sz="1000" b="1" dirty="0" err="1"/>
+              <a:t>StratGame</a:t>
+            </a:r>
+            <a:r>
+              <a:rPr lang="en-US" altLang="ko-KR" sz="1000" b="1" dirty="0"/>
+              <a:t>)</a:t>
             </a:r>
           </a:p>
         </p:txBody>
@@ -4792,15 +4815,16 @@
             </a:extLst>
           </p:cNvPr>
           <p:cNvCxnSpPr>
+            <a:cxnSpLocks/>
             <a:stCxn id="201" idx="2"/>
-            <a:endCxn id="222" idx="0"/>
+            <a:endCxn id="130" idx="0"/>
           </p:cNvCxnSpPr>
           <p:nvPr/>
         </p:nvCxnSpPr>
         <p:spPr>
-          <a:xfrm>
-            <a:off x="7700892" y="2866781"/>
-            <a:ext cx="0" cy="261215"/>
+          <a:xfrm flipH="1">
+            <a:off x="7699627" y="2577407"/>
+            <a:ext cx="1265" cy="122757"/>
           </a:xfrm>
           <a:prstGeom prst="straightConnector1">
             <a:avLst/>
@@ -4834,6 +4858,7 @@
             </a:extLst>
           </p:cNvPr>
           <p:cNvCxnSpPr>
+            <a:cxnSpLocks/>
             <a:stCxn id="222" idx="5"/>
             <a:endCxn id="201" idx="1"/>
           </p:cNvCxnSpPr>
@@ -4841,12 +4866,12 @@
         </p:nvCxnSpPr>
         <p:spPr>
           <a:xfrm rot="10800000" flipH="1">
-            <a:off x="6964974" y="2570448"/>
-            <a:ext cx="15917" cy="853882"/>
+            <a:off x="6950074" y="2404518"/>
+            <a:ext cx="30818" cy="1079417"/>
           </a:xfrm>
           <a:prstGeom prst="bentConnector3">
             <a:avLst>
-              <a:gd name="adj1" fmla="val -1901633"/>
+              <a:gd name="adj1" fmla="val -933811"/>
             </a:avLst>
           </a:prstGeom>
           <a:ln>
@@ -5446,6 +5471,7 @@
             </a:extLst>
           </p:cNvPr>
           <p:cNvCxnSpPr>
+            <a:cxnSpLocks/>
             <a:stCxn id="346" idx="1"/>
             <a:endCxn id="201" idx="3"/>
           </p:cNvCxnSpPr>
@@ -5453,8 +5479,8 @@
         </p:nvCxnSpPr>
         <p:spPr>
           <a:xfrm rot="10800000" flipV="1">
-            <a:off x="8420893" y="1487048"/>
-            <a:ext cx="853665" cy="1083400"/>
+            <a:off x="8420893" y="1487047"/>
+            <a:ext cx="853665" cy="917469"/>
           </a:xfrm>
           <a:prstGeom prst="bentConnector3">
             <a:avLst>
@@ -6164,10 +6190,10 @@
       </p:cxnSp>
       <p:sp>
         <p:nvSpPr>
-          <p:cNvPr id="162" name="평행 사변형 161">
-            <a:extLst>
-              <a:ext uri="{FF2B5EF4-FFF2-40B4-BE49-F238E27FC236}">
-                <a16:creationId xmlns:a16="http://schemas.microsoft.com/office/drawing/2014/main" id="{7ACEE645-76E4-43D4-B4E6-A64861562976}"/>
+          <p:cNvPr id="70" name="사각형: 둥근 모서리 69">
+            <a:extLst>
+              <a:ext uri="{FF2B5EF4-FFF2-40B4-BE49-F238E27FC236}">
+                <a16:creationId xmlns:a16="http://schemas.microsoft.com/office/drawing/2014/main" id="{CC95EAE7-7ED6-4039-BFBB-F586A6151433}"/>
               </a:ext>
             </a:extLst>
           </p:cNvPr>
@@ -6176,10 +6202,10 @@
         </p:nvSpPr>
         <p:spPr>
           <a:xfrm>
-            <a:off x="6884738" y="6373636"/>
-            <a:ext cx="1620000" cy="471671"/>
-          </a:xfrm>
-          <a:prstGeom prst="parallelogram">
+            <a:off x="9549652" y="4255694"/>
+            <a:ext cx="1440000" cy="482109"/>
+          </a:xfrm>
+          <a:prstGeom prst="roundRect">
             <a:avLst/>
           </a:prstGeom>
         </p:spPr>
@@ -6206,60 +6232,24 @@
             <a:pPr algn="ctr"/>
             <a:r>
               <a:rPr lang="en-US" altLang="ko-KR" sz="1000" b="1" dirty="0"/>
-              <a:t>Send Change Scene packet</a:t>
-            </a:r>
-          </a:p>
-        </p:txBody>
-      </p:sp>
-      <p:cxnSp>
-        <p:nvCxnSpPr>
-          <p:cNvPr id="165" name="직선 화살표 연결선 164">
-            <a:extLst>
-              <a:ext uri="{FF2B5EF4-FFF2-40B4-BE49-F238E27FC236}">
-                <a16:creationId xmlns:a16="http://schemas.microsoft.com/office/drawing/2014/main" id="{E03BFFF3-49B1-4E19-90DB-15A5CE4A98D4}"/>
-              </a:ext>
-            </a:extLst>
-          </p:cNvPr>
-          <p:cNvCxnSpPr>
-            <a:cxnSpLocks/>
-            <a:stCxn id="118" idx="2"/>
-            <a:endCxn id="162" idx="0"/>
-          </p:cNvCxnSpPr>
-          <p:nvPr/>
-        </p:nvCxnSpPr>
-        <p:spPr>
-          <a:xfrm flipH="1">
-            <a:off x="7694738" y="6202489"/>
-            <a:ext cx="5598" cy="171147"/>
-          </a:xfrm>
-          <a:prstGeom prst="straightConnector1">
-            <a:avLst/>
-          </a:prstGeom>
-          <a:ln>
-            <a:tailEnd type="triangle"/>
-          </a:ln>
-        </p:spPr>
-        <p:style>
-          <a:lnRef idx="1">
-            <a:schemeClr val="accent4"/>
-          </a:lnRef>
-          <a:fillRef idx="0">
-            <a:schemeClr val="accent4"/>
-          </a:fillRef>
-          <a:effectRef idx="0">
-            <a:schemeClr val="accent4"/>
-          </a:effectRef>
-          <a:fontRef idx="minor">
-            <a:schemeClr val="tx1"/>
-          </a:fontRef>
-        </p:style>
-      </p:cxnSp>
-      <p:sp>
-        <p:nvSpPr>
-          <p:cNvPr id="70" name="사각형: 둥근 모서리 69">
-            <a:extLst>
-              <a:ext uri="{FF2B5EF4-FFF2-40B4-BE49-F238E27FC236}">
-                <a16:creationId xmlns:a16="http://schemas.microsoft.com/office/drawing/2014/main" id="{CC95EAE7-7ED6-4039-BFBB-F586A6151433}"/>
+              <a:t>Process Packet &amp; Update</a:t>
+            </a:r>
+          </a:p>
+          <a:p>
+            <a:pPr algn="ctr"/>
+            <a:r>
+              <a:rPr lang="en-US" altLang="ko-KR" sz="1000" b="1" dirty="0"/>
+              <a:t>(Player)</a:t>
+            </a:r>
+          </a:p>
+        </p:txBody>
+      </p:sp>
+      <p:sp>
+        <p:nvSpPr>
+          <p:cNvPr id="76" name="평행 사변형 75">
+            <a:extLst>
+              <a:ext uri="{FF2B5EF4-FFF2-40B4-BE49-F238E27FC236}">
+                <a16:creationId xmlns:a16="http://schemas.microsoft.com/office/drawing/2014/main" id="{D7F2DFDD-A18E-46B9-B73B-AE3B85EF08D4}"/>
               </a:ext>
             </a:extLst>
           </p:cNvPr>
@@ -6268,10 +6258,10 @@
         </p:nvSpPr>
         <p:spPr>
           <a:xfrm>
-            <a:off x="9549652" y="4255694"/>
-            <a:ext cx="1440000" cy="482109"/>
-          </a:xfrm>
-          <a:prstGeom prst="roundRect">
+            <a:off x="9548181" y="4920952"/>
+            <a:ext cx="1440000" cy="450000"/>
+          </a:xfrm>
+          <a:prstGeom prst="parallelogram">
             <a:avLst/>
           </a:prstGeom>
         </p:spPr>
@@ -6298,17 +6288,259 @@
             <a:pPr algn="ctr"/>
             <a:r>
               <a:rPr lang="en-US" altLang="ko-KR" sz="1000" b="1" dirty="0"/>
-              <a:t>Process Packet</a:t>
-            </a:r>
-          </a:p>
-        </p:txBody>
-      </p:sp>
-      <p:sp>
-        <p:nvSpPr>
-          <p:cNvPr id="76" name="평행 사변형 75">
-            <a:extLst>
-              <a:ext uri="{FF2B5EF4-FFF2-40B4-BE49-F238E27FC236}">
-                <a16:creationId xmlns:a16="http://schemas.microsoft.com/office/drawing/2014/main" id="{D7F2DFDD-A18E-46B9-B73B-AE3B85EF08D4}"/>
+              <a:t>Send</a:t>
+            </a:r>
+            <a:r>
+              <a:rPr lang="ko-KR" altLang="en-US" sz="1000" b="1" dirty="0"/>
+              <a:t> </a:t>
+            </a:r>
+            <a:r>
+              <a:rPr lang="en-US" altLang="ko-KR" sz="1000" b="1" dirty="0"/>
+              <a:t>Packet()</a:t>
+            </a:r>
+          </a:p>
+          <a:p>
+            <a:pPr algn="ctr"/>
+            <a:r>
+              <a:rPr lang="en-US" altLang="ko-KR" sz="1000" b="1" dirty="0"/>
+              <a:t>(Move, item)</a:t>
+            </a:r>
+            <a:endParaRPr lang="ko-KR" altLang="en-US" sz="1000" b="1" dirty="0"/>
+          </a:p>
+        </p:txBody>
+      </p:sp>
+      <p:cxnSp>
+        <p:nvCxnSpPr>
+          <p:cNvPr id="78" name="직선 화살표 연결선 77">
+            <a:extLst>
+              <a:ext uri="{FF2B5EF4-FFF2-40B4-BE49-F238E27FC236}">
+                <a16:creationId xmlns:a16="http://schemas.microsoft.com/office/drawing/2014/main" id="{61B7BF3E-7BC9-43A4-999A-3A77386A4739}"/>
+              </a:ext>
+            </a:extLst>
+          </p:cNvPr>
+          <p:cNvCxnSpPr>
+            <a:cxnSpLocks/>
+            <a:stCxn id="70" idx="2"/>
+            <a:endCxn id="76" idx="0"/>
+          </p:cNvCxnSpPr>
+          <p:nvPr/>
+        </p:nvCxnSpPr>
+        <p:spPr>
+          <a:xfrm flipH="1">
+            <a:off x="10268181" y="4737803"/>
+            <a:ext cx="1471" cy="183149"/>
+          </a:xfrm>
+          <a:prstGeom prst="straightConnector1">
+            <a:avLst/>
+          </a:prstGeom>
+          <a:ln>
+            <a:tailEnd type="triangle"/>
+          </a:ln>
+        </p:spPr>
+        <p:style>
+          <a:lnRef idx="1">
+            <a:schemeClr val="accent4"/>
+          </a:lnRef>
+          <a:fillRef idx="0">
+            <a:schemeClr val="accent4"/>
+          </a:fillRef>
+          <a:effectRef idx="0">
+            <a:schemeClr val="accent4"/>
+          </a:effectRef>
+          <a:fontRef idx="minor">
+            <a:schemeClr val="tx1"/>
+          </a:fontRef>
+        </p:style>
+      </p:cxnSp>
+      <p:cxnSp>
+        <p:nvCxnSpPr>
+          <p:cNvPr id="12" name="연결선: 꺾임 11">
+            <a:extLst>
+              <a:ext uri="{FF2B5EF4-FFF2-40B4-BE49-F238E27FC236}">
+                <a16:creationId xmlns:a16="http://schemas.microsoft.com/office/drawing/2014/main" id="{B4DD0736-7D6F-4291-9F1F-85A28DF08182}"/>
+              </a:ext>
+            </a:extLst>
+          </p:cNvPr>
+          <p:cNvCxnSpPr>
+            <a:cxnSpLocks/>
+            <a:stCxn id="115" idx="4"/>
+            <a:endCxn id="32" idx="2"/>
+          </p:cNvCxnSpPr>
+          <p:nvPr/>
+        </p:nvCxnSpPr>
+        <p:spPr>
+          <a:xfrm rot="5400000" flipH="1">
+            <a:off x="5302679" y="3670088"/>
+            <a:ext cx="2157485" cy="2660753"/>
+          </a:xfrm>
+          <a:prstGeom prst="bentConnector4">
+            <a:avLst>
+              <a:gd name="adj1" fmla="val -10596"/>
+              <a:gd name="adj2" fmla="val 67983"/>
+            </a:avLst>
+          </a:prstGeom>
+          <a:ln w="28575">
+            <a:prstDash val="sysDot"/>
+            <a:tailEnd type="triangle"/>
+          </a:ln>
+        </p:spPr>
+        <p:style>
+          <a:lnRef idx="1">
+            <a:schemeClr val="accent1"/>
+          </a:lnRef>
+          <a:fillRef idx="0">
+            <a:schemeClr val="accent1"/>
+          </a:fillRef>
+          <a:effectRef idx="0">
+            <a:schemeClr val="accent1"/>
+          </a:effectRef>
+          <a:fontRef idx="minor">
+            <a:schemeClr val="tx1"/>
+          </a:fontRef>
+        </p:style>
+      </p:cxnSp>
+      <p:cxnSp>
+        <p:nvCxnSpPr>
+          <p:cNvPr id="20" name="연결선: 꺾임 19">
+            <a:extLst>
+              <a:ext uri="{FF2B5EF4-FFF2-40B4-BE49-F238E27FC236}">
+                <a16:creationId xmlns:a16="http://schemas.microsoft.com/office/drawing/2014/main" id="{3367EE37-1480-403F-97F7-8CCE4199006B}"/>
+              </a:ext>
+            </a:extLst>
+          </p:cNvPr>
+          <p:cNvCxnSpPr>
+            <a:cxnSpLocks/>
+            <a:stCxn id="76" idx="4"/>
+          </p:cNvCxnSpPr>
+          <p:nvPr/>
+        </p:nvCxnSpPr>
+        <p:spPr>
+          <a:xfrm rot="5400000" flipH="1">
+            <a:off x="6929140" y="2031911"/>
+            <a:ext cx="1460946" cy="5217136"/>
+          </a:xfrm>
+          <a:prstGeom prst="bentConnector4">
+            <a:avLst>
+              <a:gd name="adj1" fmla="val -78816"/>
+              <a:gd name="adj2" fmla="val 85300"/>
+            </a:avLst>
+          </a:prstGeom>
+          <a:ln w="28575">
+            <a:prstDash val="sysDot"/>
+            <a:tailEnd type="triangle"/>
+          </a:ln>
+        </p:spPr>
+        <p:style>
+          <a:lnRef idx="1">
+            <a:schemeClr val="accent1"/>
+          </a:lnRef>
+          <a:fillRef idx="0">
+            <a:schemeClr val="accent1"/>
+          </a:fillRef>
+          <a:effectRef idx="0">
+            <a:schemeClr val="accent1"/>
+          </a:effectRef>
+          <a:fontRef idx="minor">
+            <a:schemeClr val="tx1"/>
+          </a:fontRef>
+        </p:style>
+      </p:cxnSp>
+      <p:cxnSp>
+        <p:nvCxnSpPr>
+          <p:cNvPr id="58" name="연결선: 꺾임 57">
+            <a:extLst>
+              <a:ext uri="{FF2B5EF4-FFF2-40B4-BE49-F238E27FC236}">
+                <a16:creationId xmlns:a16="http://schemas.microsoft.com/office/drawing/2014/main" id="{837039BF-720B-43AF-B49D-AC1E5E1E4798}"/>
+              </a:ext>
+            </a:extLst>
+          </p:cNvPr>
+          <p:cNvCxnSpPr>
+            <a:cxnSpLocks/>
+            <a:stCxn id="222" idx="4"/>
+            <a:endCxn id="32" idx="2"/>
+          </p:cNvCxnSpPr>
+          <p:nvPr/>
+        </p:nvCxnSpPr>
+        <p:spPr>
+          <a:xfrm rot="5400000">
+            <a:off x="6275440" y="2496269"/>
+            <a:ext cx="201058" cy="2649847"/>
+          </a:xfrm>
+          <a:prstGeom prst="bentConnector2">
+            <a:avLst/>
+          </a:prstGeom>
+          <a:ln w="28575">
+            <a:prstDash val="sysDot"/>
+            <a:tailEnd type="triangle"/>
+          </a:ln>
+        </p:spPr>
+        <p:style>
+          <a:lnRef idx="1">
+            <a:schemeClr val="accent1"/>
+          </a:lnRef>
+          <a:fillRef idx="0">
+            <a:schemeClr val="accent1"/>
+          </a:fillRef>
+          <a:effectRef idx="0">
+            <a:schemeClr val="accent1"/>
+          </a:effectRef>
+          <a:fontRef idx="minor">
+            <a:schemeClr val="tx1"/>
+          </a:fontRef>
+        </p:style>
+      </p:cxnSp>
+      <p:cxnSp>
+        <p:nvCxnSpPr>
+          <p:cNvPr id="69" name="연결선: 꺾임 68">
+            <a:extLst>
+              <a:ext uri="{FF2B5EF4-FFF2-40B4-BE49-F238E27FC236}">
+                <a16:creationId xmlns:a16="http://schemas.microsoft.com/office/drawing/2014/main" id="{F10C9937-9444-4064-A63A-4BB3835DDB94}"/>
+              </a:ext>
+            </a:extLst>
+          </p:cNvPr>
+          <p:cNvCxnSpPr>
+            <a:stCxn id="48" idx="4"/>
+            <a:endCxn id="174" idx="2"/>
+          </p:cNvCxnSpPr>
+          <p:nvPr/>
+        </p:nvCxnSpPr>
+        <p:spPr>
+          <a:xfrm rot="5400000" flipH="1" flipV="1">
+            <a:off x="5164377" y="156600"/>
+            <a:ext cx="2281111" cy="9347627"/>
+          </a:xfrm>
+          <a:prstGeom prst="bentConnector4">
+            <a:avLst>
+              <a:gd name="adj1" fmla="val -35260"/>
+              <a:gd name="adj2" fmla="val 103047"/>
+            </a:avLst>
+          </a:prstGeom>
+          <a:ln w="28575">
+            <a:prstDash val="sysDot"/>
+            <a:tailEnd type="triangle"/>
+          </a:ln>
+        </p:spPr>
+        <p:style>
+          <a:lnRef idx="1">
+            <a:schemeClr val="accent1"/>
+          </a:lnRef>
+          <a:fillRef idx="0">
+            <a:schemeClr val="accent1"/>
+          </a:fillRef>
+          <a:effectRef idx="0">
+            <a:schemeClr val="accent1"/>
+          </a:effectRef>
+          <a:fontRef idx="minor">
+            <a:schemeClr val="tx1"/>
+          </a:fontRef>
+        </p:style>
+      </p:cxnSp>
+      <p:sp>
+        <p:nvSpPr>
+          <p:cNvPr id="130" name="사각형: 둥근 모서리 129">
+            <a:extLst>
+              <a:ext uri="{FF2B5EF4-FFF2-40B4-BE49-F238E27FC236}">
+                <a16:creationId xmlns:a16="http://schemas.microsoft.com/office/drawing/2014/main" id="{D3B66C04-B43A-4B4E-90E8-BF9F108A05FC}"/>
               </a:ext>
             </a:extLst>
           </p:cNvPr>
@@ -6317,10 +6549,10 @@
         </p:nvSpPr>
         <p:spPr>
           <a:xfrm>
-            <a:off x="9548181" y="4920952"/>
-            <a:ext cx="1440000" cy="450000"/>
-          </a:xfrm>
-          <a:prstGeom prst="parallelogram">
+            <a:off x="6979627" y="2700164"/>
+            <a:ext cx="1440000" cy="303293"/>
+          </a:xfrm>
+          <a:prstGeom prst="roundRect">
             <a:avLst/>
           </a:prstGeom>
         </p:spPr>
@@ -6346,48 +6578,36 @@
           <a:p>
             <a:pPr algn="ctr"/>
             <a:r>
+              <a:rPr lang="en-US" altLang="ko-KR" sz="1000" b="1" dirty="0" err="1"/>
+              <a:t>IsCollision</a:t>
+            </a:r>
+            <a:r>
               <a:rPr lang="en-US" altLang="ko-KR" sz="1000" b="1" dirty="0"/>
-              <a:t>Send</a:t>
-            </a:r>
-            <a:r>
-              <a:rPr lang="ko-KR" altLang="en-US" sz="1000" b="1" dirty="0"/>
-              <a:t> </a:t>
-            </a:r>
-            <a:r>
-              <a:rPr lang="en-US" altLang="ko-KR" sz="1000" b="1" dirty="0"/>
-              <a:t>Packet()</a:t>
-            </a:r>
-          </a:p>
-          <a:p>
-            <a:pPr algn="ctr"/>
-            <a:r>
-              <a:rPr lang="en-US" altLang="ko-KR" sz="1000" b="1" dirty="0"/>
-              <a:t>(Move, item)</a:t>
-            </a:r>
-            <a:endParaRPr lang="ko-KR" altLang="en-US" sz="1000" b="1" dirty="0"/>
+              <a:t>()</a:t>
+            </a:r>
           </a:p>
         </p:txBody>
       </p:sp>
       <p:cxnSp>
         <p:nvCxnSpPr>
-          <p:cNvPr id="78" name="직선 화살표 연결선 77">
-            <a:extLst>
-              <a:ext uri="{FF2B5EF4-FFF2-40B4-BE49-F238E27FC236}">
-                <a16:creationId xmlns:a16="http://schemas.microsoft.com/office/drawing/2014/main" id="{61B7BF3E-7BC9-43A4-999A-3A77386A4739}"/>
+          <p:cNvPr id="132" name="직선 화살표 연결선 131">
+            <a:extLst>
+              <a:ext uri="{FF2B5EF4-FFF2-40B4-BE49-F238E27FC236}">
+                <a16:creationId xmlns:a16="http://schemas.microsoft.com/office/drawing/2014/main" id="{C50AAF07-6DB1-49FE-A2EB-86F81F4F95D9}"/>
               </a:ext>
             </a:extLst>
           </p:cNvPr>
           <p:cNvCxnSpPr>
             <a:cxnSpLocks/>
-            <a:stCxn id="70" idx="2"/>
-            <a:endCxn id="76" idx="0"/>
+            <a:stCxn id="130" idx="2"/>
+            <a:endCxn id="222" idx="0"/>
           </p:cNvCxnSpPr>
           <p:nvPr/>
         </p:nvCxnSpPr>
         <p:spPr>
-          <a:xfrm flipH="1">
-            <a:off x="10268181" y="4737803"/>
-            <a:ext cx="1471" cy="183149"/>
+          <a:xfrm>
+            <a:off x="7699627" y="3003457"/>
+            <a:ext cx="1265" cy="243748"/>
           </a:xfrm>
           <a:prstGeom prst="straightConnector1">
             <a:avLst/>
